--- a/Sharpest++/Chapter 7 - Type Aliasing & Type Deduction.pptx
+++ b/Sharpest++/Chapter 7 - Type Aliasing & Type Deduction.pptx
@@ -5,7 +5,7 @@
     <p:sldMasterId id="2147483660" r:id="rId1"/>
   </p:sldMasterIdLst>
   <p:notesMasterIdLst>
-    <p:notesMasterId r:id="rId19"/>
+    <p:notesMasterId r:id="rId20"/>
   </p:notesMasterIdLst>
   <p:sldIdLst>
     <p:sldId id="271" r:id="rId2"/>
@@ -23,24 +23,25 @@
     <p:sldId id="298" r:id="rId14"/>
     <p:sldId id="299" r:id="rId15"/>
     <p:sldId id="300" r:id="rId16"/>
-    <p:sldId id="302" r:id="rId17"/>
-    <p:sldId id="303" r:id="rId18"/>
+    <p:sldId id="304" r:id="rId17"/>
+    <p:sldId id="302" r:id="rId18"/>
+    <p:sldId id="303" r:id="rId19"/>
   </p:sldIdLst>
   <p:sldSz cx="12192000" cy="6858000"/>
   <p:notesSz cx="6858000" cy="9144000"/>
   <p:embeddedFontLst>
     <p:embeddedFont>
       <p:font typeface="맑은 고딕" panose="020B0503020000020004" pitchFamily="50" charset="-127"/>
-      <p:regular r:id="rId20"/>
-      <p:bold r:id="rId21"/>
+      <p:regular r:id="rId21"/>
+      <p:bold r:id="rId22"/>
     </p:embeddedFont>
     <p:embeddedFont>
       <p:font typeface="야놀자 야체 B" panose="02020603020101020101" pitchFamily="18" charset="-127"/>
-      <p:bold r:id="rId22"/>
+      <p:bold r:id="rId23"/>
     </p:embeddedFont>
     <p:embeddedFont>
       <p:font typeface="야놀자 야체 R" panose="02020603020101020101" pitchFamily="18" charset="-127"/>
-      <p:regular r:id="rId23"/>
+      <p:regular r:id="rId24"/>
     </p:embeddedFont>
   </p:embeddedFontLst>
   <p:defaultTextStyle>
@@ -1314,38 +1315,7 @@
               <a:tabLst/>
               <a:defRPr/>
             </a:pPr>
-            <a:r>
-              <a:rPr lang="en-US" altLang="ko-KR" dirty="0" err="1"/>
-              <a:t>decltype</a:t>
-            </a:r>
-            <a:r>
-              <a:rPr lang="en-US" altLang="ko-KR" dirty="0"/>
-              <a:t>(auto)</a:t>
-            </a:r>
-            <a:r>
-              <a:rPr lang="ko-KR" altLang="en-US" dirty="0"/>
-              <a:t>로는 </a:t>
-            </a:r>
-            <a:r>
-              <a:rPr lang="en-US" altLang="ko-KR" dirty="0"/>
-              <a:t>“</a:t>
-            </a:r>
-            <a:r>
-              <a:rPr lang="en-US" altLang="ko-KR" dirty="0" err="1"/>
-              <a:t>decltype</a:t>
-            </a:r>
-            <a:r>
-              <a:rPr lang="en-US" altLang="ko-KR" dirty="0"/>
-              <a:t>(auto)&amp; r = integer” </a:t>
-            </a:r>
-            <a:r>
-              <a:rPr lang="ko-KR" altLang="en-US" dirty="0"/>
-              <a:t>같은 타입 선언이 불가능하다</a:t>
-            </a:r>
-            <a:r>
-              <a:rPr lang="en-US" altLang="ko-KR" dirty="0"/>
-              <a:t>.</a:t>
-            </a:r>
+            <a:endParaRPr lang="en-US" altLang="ko-KR" dirty="0"/>
           </a:p>
         </p:txBody>
       </p:sp>
@@ -1375,7 +1345,7 @@
     </p:spTree>
     <p:extLst>
       <p:ext uri="{BB962C8B-B14F-4D97-AF65-F5344CB8AC3E}">
-        <p14:creationId xmlns:p14="http://schemas.microsoft.com/office/powerpoint/2010/main" val="3853798856"/>
+        <p14:creationId xmlns:p14="http://schemas.microsoft.com/office/powerpoint/2010/main" val="2026100331"/>
       </p:ext>
     </p:extLst>
   </p:cSld>
@@ -1447,8 +1417,36 @@
               <a:defRPr/>
             </a:pPr>
             <a:r>
+              <a:rPr lang="en-US" altLang="ko-KR" dirty="0" err="1"/>
+              <a:t>decltype</a:t>
+            </a:r>
+            <a:r>
               <a:rPr lang="en-US" altLang="ko-KR" dirty="0"/>
-              <a:t>A. (a, int), (b, int), (c, int), (d, int&amp;), (e, int), (f, int&amp;), (k, int*), (m, int*)</a:t>
+              <a:t>(auto)</a:t>
+            </a:r>
+            <a:r>
+              <a:rPr lang="ko-KR" altLang="en-US" dirty="0"/>
+              <a:t>로는 </a:t>
+            </a:r>
+            <a:r>
+              <a:rPr lang="en-US" altLang="ko-KR" dirty="0"/>
+              <a:t>“</a:t>
+            </a:r>
+            <a:r>
+              <a:rPr lang="en-US" altLang="ko-KR" dirty="0" err="1"/>
+              <a:t>decltype</a:t>
+            </a:r>
+            <a:r>
+              <a:rPr lang="en-US" altLang="ko-KR" dirty="0"/>
+              <a:t>(auto)&amp; r = integer” </a:t>
+            </a:r>
+            <a:r>
+              <a:rPr lang="ko-KR" altLang="en-US" dirty="0"/>
+              <a:t>같은 타입 선언이 불가능하다</a:t>
+            </a:r>
+            <a:r>
+              <a:rPr lang="en-US" altLang="ko-KR" dirty="0"/>
+              <a:t>.</a:t>
             </a:r>
           </a:p>
         </p:txBody>
@@ -1471,6 +1469,110 @@
             <a:fld id="{3A1390C9-CC43-4510-9031-E81E4BDB5A7C}" type="slidenum">
               <a:rPr lang="ko-KR" altLang="en-US" smtClean="0"/>
               <a:t>17</a:t>
+            </a:fld>
+            <a:endParaRPr lang="ko-KR" altLang="en-US"/>
+          </a:p>
+        </p:txBody>
+      </p:sp>
+    </p:spTree>
+    <p:extLst>
+      <p:ext uri="{BB962C8B-B14F-4D97-AF65-F5344CB8AC3E}">
+        <p14:creationId xmlns:p14="http://schemas.microsoft.com/office/powerpoint/2010/main" val="3853798856"/>
+      </p:ext>
+    </p:extLst>
+  </p:cSld>
+  <p:clrMapOvr>
+    <a:masterClrMapping/>
+  </p:clrMapOvr>
+</p:notes>
+</file>
+
+<file path=ppt/notesSlides/notesSlide18.xml><?xml version="1.0" encoding="utf-8"?>
+<p:notes xmlns:a="http://schemas.openxmlformats.org/drawingml/2006/main" xmlns:r="http://schemas.openxmlformats.org/officeDocument/2006/relationships" xmlns:p="http://schemas.openxmlformats.org/presentationml/2006/main">
+  <p:cSld>
+    <p:spTree>
+      <p:nvGrpSpPr>
+        <p:cNvPr id="1" name=""/>
+        <p:cNvGrpSpPr/>
+        <p:nvPr/>
+      </p:nvGrpSpPr>
+      <p:grpSpPr>
+        <a:xfrm>
+          <a:off x="0" y="0"/>
+          <a:ext cx="0" cy="0"/>
+          <a:chOff x="0" y="0"/>
+          <a:chExt cx="0" cy="0"/>
+        </a:xfrm>
+      </p:grpSpPr>
+      <p:sp>
+        <p:nvSpPr>
+          <p:cNvPr id="2" name="슬라이드 이미지 개체 틀 1"/>
+          <p:cNvSpPr>
+            <a:spLocks noGrp="1" noRot="1" noChangeAspect="1"/>
+          </p:cNvSpPr>
+          <p:nvPr>
+            <p:ph type="sldImg"/>
+          </p:nvPr>
+        </p:nvSpPr>
+        <p:spPr/>
+      </p:sp>
+      <p:sp>
+        <p:nvSpPr>
+          <p:cNvPr id="3" name="슬라이드 노트 개체 틀 2"/>
+          <p:cNvSpPr>
+            <a:spLocks noGrp="1"/>
+          </p:cNvSpPr>
+          <p:nvPr>
+            <p:ph type="body" idx="1"/>
+          </p:nvPr>
+        </p:nvSpPr>
+        <p:spPr/>
+        <p:txBody>
+          <a:bodyPr/>
+          <a:lstStyle/>
+          <a:p>
+            <a:pPr marL="0" marR="0" lvl="0" indent="0" algn="l" defTabSz="914400" rtl="0" eaLnBrk="1" fontAlgn="auto" latinLnBrk="1" hangingPunct="1">
+              <a:lnSpc>
+                <a:spcPct val="100000"/>
+              </a:lnSpc>
+              <a:spcBef>
+                <a:spcPts val="0"/>
+              </a:spcBef>
+              <a:spcAft>
+                <a:spcPts val="0"/>
+              </a:spcAft>
+              <a:buClrTx/>
+              <a:buSzTx/>
+              <a:buFontTx/>
+              <a:buNone/>
+              <a:tabLst/>
+              <a:defRPr/>
+            </a:pPr>
+            <a:r>
+              <a:rPr lang="en-US" altLang="ko-KR" dirty="0"/>
+              <a:t>A. (a, int), (b, int), (c, int), (d, int&amp;), (e, int), (f, int&amp;), (k, int*), (m, int*)</a:t>
+            </a:r>
+          </a:p>
+        </p:txBody>
+      </p:sp>
+      <p:sp>
+        <p:nvSpPr>
+          <p:cNvPr id="4" name="슬라이드 번호 개체 틀 3"/>
+          <p:cNvSpPr>
+            <a:spLocks noGrp="1"/>
+          </p:cNvSpPr>
+          <p:nvPr>
+            <p:ph type="sldNum" sz="quarter" idx="10"/>
+          </p:nvPr>
+        </p:nvSpPr>
+        <p:spPr/>
+        <p:txBody>
+          <a:bodyPr/>
+          <a:lstStyle/>
+          <a:p>
+            <a:fld id="{3A1390C9-CC43-4510-9031-E81E4BDB5A7C}" type="slidenum">
+              <a:rPr lang="ko-KR" altLang="en-US" smtClean="0"/>
+              <a:t>18</a:t>
             </a:fld>
             <a:endParaRPr lang="ko-KR" altLang="en-US"/>
           </a:p>
@@ -10086,6 +10188,370 @@
                 <a:latin typeface="야놀자 야체 R" panose="02020603020101020101" pitchFamily="18" charset="-127"/>
                 <a:ea typeface="야놀자 야체 R" panose="02020603020101020101" pitchFamily="18" charset="-127"/>
               </a:rPr>
+              <a:t>를 활용한 범위 </a:t>
+            </a:r>
+            <a:r>
+              <a:rPr lang="en-US" altLang="ko-KR" sz="2800" dirty="0">
+                <a:latin typeface="야놀자 야체 R" panose="02020603020101020101" pitchFamily="18" charset="-127"/>
+                <a:ea typeface="야놀자 야체 R" panose="02020603020101020101" pitchFamily="18" charset="-127"/>
+              </a:rPr>
+              <a:t>for </a:t>
+            </a:r>
+            <a:r>
+              <a:rPr lang="ko-KR" altLang="en-US" sz="2800" dirty="0">
+                <a:latin typeface="야놀자 야체 R" panose="02020603020101020101" pitchFamily="18" charset="-127"/>
+                <a:ea typeface="야놀자 야체 R" panose="02020603020101020101" pitchFamily="18" charset="-127"/>
+              </a:rPr>
+              <a:t>문을 통해 순회할 수도 있다</a:t>
+            </a:r>
+            <a:r>
+              <a:rPr lang="en-US" altLang="ko-KR" sz="2800" dirty="0">
+                <a:latin typeface="야놀자 야체 R" panose="02020603020101020101" pitchFamily="18" charset="-127"/>
+                <a:ea typeface="야놀자 야체 R" panose="02020603020101020101" pitchFamily="18" charset="-127"/>
+              </a:rPr>
+              <a:t>.</a:t>
+            </a:r>
+            <a:endParaRPr lang="ko-KR" altLang="en-US" sz="2800" dirty="0">
+              <a:latin typeface="야놀자 야체 R" panose="02020603020101020101" pitchFamily="18" charset="-127"/>
+              <a:ea typeface="야놀자 야체 R" panose="02020603020101020101" pitchFamily="18" charset="-127"/>
+            </a:endParaRPr>
+          </a:p>
+        </p:txBody>
+      </p:sp>
+      <p:pic>
+        <p:nvPicPr>
+          <p:cNvPr id="2" name="그림 1">
+            <a:extLst>
+              <a:ext uri="{FF2B5EF4-FFF2-40B4-BE49-F238E27FC236}">
+                <a16:creationId xmlns:a16="http://schemas.microsoft.com/office/drawing/2014/main" id="{653DA1A7-7FEC-4534-9F4D-25BA50DEE3F2}"/>
+              </a:ext>
+            </a:extLst>
+          </p:cNvPr>
+          <p:cNvPicPr>
+            <a:picLocks noChangeAspect="1"/>
+          </p:cNvPicPr>
+          <p:nvPr/>
+        </p:nvPicPr>
+        <p:blipFill>
+          <a:blip r:embed="rId4"/>
+          <a:stretch>
+            <a:fillRect/>
+          </a:stretch>
+        </p:blipFill>
+        <p:spPr>
+          <a:xfrm>
+            <a:off x="2809875" y="1754859"/>
+            <a:ext cx="6572250" cy="2038350"/>
+          </a:xfrm>
+          <a:prstGeom prst="rect">
+            <a:avLst/>
+          </a:prstGeom>
+        </p:spPr>
+      </p:pic>
+    </p:spTree>
+    <p:extLst>
+      <p:ext uri="{BB962C8B-B14F-4D97-AF65-F5344CB8AC3E}">
+        <p14:creationId xmlns:p14="http://schemas.microsoft.com/office/powerpoint/2010/main" val="4023502062"/>
+      </p:ext>
+    </p:extLst>
+  </p:cSld>
+  <p:clrMapOvr>
+    <a:masterClrMapping/>
+  </p:clrMapOvr>
+  <p:timing>
+    <p:tnLst>
+      <p:par>
+        <p:cTn id="1" dur="indefinite" restart="never" nodeType="tmRoot">
+          <p:childTnLst>
+            <p:seq concurrent="1" nextAc="seek">
+              <p:cTn id="2" dur="indefinite" nodeType="mainSeq">
+                <p:childTnLst>
+                  <p:par>
+                    <p:cTn id="3" fill="hold">
+                      <p:stCondLst>
+                        <p:cond delay="indefinite"/>
+                      </p:stCondLst>
+                      <p:childTnLst>
+                        <p:par>
+                          <p:cTn id="4" fill="hold">
+                            <p:stCondLst>
+                              <p:cond delay="0"/>
+                            </p:stCondLst>
+                            <p:childTnLst>
+                              <p:par>
+                                <p:cTn id="5" presetID="1" presetClass="entr" presetSubtype="0" fill="hold" grpId="0" nodeType="clickEffect">
+                                  <p:stCondLst>
+                                    <p:cond delay="0"/>
+                                  </p:stCondLst>
+                                  <p:childTnLst>
+                                    <p:set>
+                                      <p:cBhvr>
+                                        <p:cTn id="6" dur="1" fill="hold">
+                                          <p:stCondLst>
+                                            <p:cond delay="0"/>
+                                          </p:stCondLst>
+                                        </p:cTn>
+                                        <p:tgtEl>
+                                          <p:spTgt spid="21"/>
+                                        </p:tgtEl>
+                                        <p:attrNameLst>
+                                          <p:attrName>style.visibility</p:attrName>
+                                        </p:attrNameLst>
+                                      </p:cBhvr>
+                                      <p:to>
+                                        <p:strVal val="visible"/>
+                                      </p:to>
+                                    </p:set>
+                                  </p:childTnLst>
+                                </p:cTn>
+                              </p:par>
+                            </p:childTnLst>
+                          </p:cTn>
+                        </p:par>
+                      </p:childTnLst>
+                    </p:cTn>
+                  </p:par>
+                  <p:par>
+                    <p:cTn id="7" fill="hold">
+                      <p:stCondLst>
+                        <p:cond delay="indefinite"/>
+                      </p:stCondLst>
+                      <p:childTnLst>
+                        <p:par>
+                          <p:cTn id="8" fill="hold">
+                            <p:stCondLst>
+                              <p:cond delay="0"/>
+                            </p:stCondLst>
+                            <p:childTnLst>
+                              <p:par>
+                                <p:cTn id="9" presetID="1" presetClass="entr" presetSubtype="0" fill="hold" nodeType="clickEffect">
+                                  <p:stCondLst>
+                                    <p:cond delay="0"/>
+                                  </p:stCondLst>
+                                  <p:childTnLst>
+                                    <p:set>
+                                      <p:cBhvr>
+                                        <p:cTn id="10" dur="1" fill="hold">
+                                          <p:stCondLst>
+                                            <p:cond delay="0"/>
+                                          </p:stCondLst>
+                                        </p:cTn>
+                                        <p:tgtEl>
+                                          <p:spTgt spid="2"/>
+                                        </p:tgtEl>
+                                        <p:attrNameLst>
+                                          <p:attrName>style.visibility</p:attrName>
+                                        </p:attrNameLst>
+                                      </p:cBhvr>
+                                      <p:to>
+                                        <p:strVal val="visible"/>
+                                      </p:to>
+                                    </p:set>
+                                  </p:childTnLst>
+                                </p:cTn>
+                              </p:par>
+                            </p:childTnLst>
+                          </p:cTn>
+                        </p:par>
+                      </p:childTnLst>
+                    </p:cTn>
+                  </p:par>
+                </p:childTnLst>
+              </p:cTn>
+              <p:prevCondLst>
+                <p:cond evt="onPrev" delay="0">
+                  <p:tgtEl>
+                    <p:sldTgt/>
+                  </p:tgtEl>
+                </p:cond>
+              </p:prevCondLst>
+              <p:nextCondLst>
+                <p:cond evt="onNext" delay="0">
+                  <p:tgtEl>
+                    <p:sldTgt/>
+                  </p:tgtEl>
+                </p:cond>
+              </p:nextCondLst>
+            </p:seq>
+          </p:childTnLst>
+        </p:cTn>
+      </p:par>
+    </p:tnLst>
+    <p:bldLst>
+      <p:bldP spid="21" grpId="0"/>
+    </p:bldLst>
+  </p:timing>
+</p:sld>
+</file>
+
+<file path=ppt/slides/slide17.xml><?xml version="1.0" encoding="utf-8"?>
+<p:sld xmlns:a="http://schemas.openxmlformats.org/drawingml/2006/main" xmlns:r="http://schemas.openxmlformats.org/officeDocument/2006/relationships" xmlns:p="http://schemas.openxmlformats.org/presentationml/2006/main">
+  <p:cSld>
+    <p:bg>
+      <p:bgPr>
+        <a:blipFill dpi="0" rotWithShape="1">
+          <a:blip r:embed="rId3">
+            <a:alphaModFix amt="64000"/>
+            <a:lum/>
+          </a:blip>
+          <a:srcRect/>
+          <a:stretch>
+            <a:fillRect l="-17000" r="-17000"/>
+          </a:stretch>
+        </a:blipFill>
+        <a:effectLst/>
+      </p:bgPr>
+    </p:bg>
+    <p:spTree>
+      <p:nvGrpSpPr>
+        <p:cNvPr id="1" name=""/>
+        <p:cNvGrpSpPr/>
+        <p:nvPr/>
+      </p:nvGrpSpPr>
+      <p:grpSpPr>
+        <a:xfrm>
+          <a:off x="0" y="0"/>
+          <a:ext cx="0" cy="0"/>
+          <a:chOff x="0" y="0"/>
+          <a:chExt cx="0" cy="0"/>
+        </a:xfrm>
+      </p:grpSpPr>
+      <p:cxnSp>
+        <p:nvCxnSpPr>
+          <p:cNvPr id="13" name="직선 연결선 12"/>
+          <p:cNvCxnSpPr/>
+          <p:nvPr/>
+        </p:nvCxnSpPr>
+        <p:spPr>
+          <a:xfrm>
+            <a:off x="0" y="615822"/>
+            <a:ext cx="12192000" cy="0"/>
+          </a:xfrm>
+          <a:prstGeom prst="line">
+            <a:avLst/>
+          </a:prstGeom>
+          <a:ln w="25400"/>
+        </p:spPr>
+        <p:style>
+          <a:lnRef idx="1">
+            <a:schemeClr val="dk1"/>
+          </a:lnRef>
+          <a:fillRef idx="0">
+            <a:schemeClr val="dk1"/>
+          </a:fillRef>
+          <a:effectRef idx="0">
+            <a:schemeClr val="dk1"/>
+          </a:effectRef>
+          <a:fontRef idx="minor">
+            <a:schemeClr val="tx1"/>
+          </a:fontRef>
+        </p:style>
+      </p:cxnSp>
+      <p:cxnSp>
+        <p:nvCxnSpPr>
+          <p:cNvPr id="16" name="직선 연결선 15"/>
+          <p:cNvCxnSpPr/>
+          <p:nvPr/>
+        </p:nvCxnSpPr>
+        <p:spPr>
+          <a:xfrm flipV="1">
+            <a:off x="886408" y="0"/>
+            <a:ext cx="0" cy="615822"/>
+          </a:xfrm>
+          <a:prstGeom prst="line">
+            <a:avLst/>
+          </a:prstGeom>
+          <a:ln w="25400"/>
+        </p:spPr>
+        <p:style>
+          <a:lnRef idx="1">
+            <a:schemeClr val="dk1"/>
+          </a:lnRef>
+          <a:fillRef idx="0">
+            <a:schemeClr val="dk1"/>
+          </a:fillRef>
+          <a:effectRef idx="0">
+            <a:schemeClr val="dk1"/>
+          </a:effectRef>
+          <a:fontRef idx="minor">
+            <a:schemeClr val="tx1"/>
+          </a:fontRef>
+        </p:style>
+      </p:cxnSp>
+      <p:sp>
+        <p:nvSpPr>
+          <p:cNvPr id="20" name="TextBox 19"/>
+          <p:cNvSpPr txBox="1"/>
+          <p:nvPr/>
+        </p:nvSpPr>
+        <p:spPr>
+          <a:xfrm>
+            <a:off x="886409" y="77078"/>
+            <a:ext cx="11305592" cy="461665"/>
+          </a:xfrm>
+          <a:prstGeom prst="rect">
+            <a:avLst/>
+          </a:prstGeom>
+          <a:noFill/>
+        </p:spPr>
+        <p:txBody>
+          <a:bodyPr wrap="square" rtlCol="0">
+            <a:spAutoFit/>
+          </a:bodyPr>
+          <a:lstStyle/>
+          <a:p>
+            <a:r>
+              <a:rPr lang="en-US" altLang="ko-KR" sz="2400" dirty="0">
+                <a:latin typeface="야놀자 야체 B" panose="02020603020101020101" pitchFamily="18" charset="-127"/>
+                <a:ea typeface="야놀자 야체 B" panose="02020603020101020101" pitchFamily="18" charset="-127"/>
+              </a:rPr>
+              <a:t> Item 2. Type deduction</a:t>
+            </a:r>
+            <a:endParaRPr lang="ko-KR" altLang="en-US" sz="2400" dirty="0">
+              <a:latin typeface="야놀자 야체 B" panose="02020603020101020101" pitchFamily="18" charset="-127"/>
+              <a:ea typeface="야놀자 야체 B" panose="02020603020101020101" pitchFamily="18" charset="-127"/>
+            </a:endParaRPr>
+          </a:p>
+        </p:txBody>
+      </p:sp>
+      <p:sp>
+        <p:nvSpPr>
+          <p:cNvPr id="21" name="TextBox 20"/>
+          <p:cNvSpPr txBox="1"/>
+          <p:nvPr/>
+        </p:nvSpPr>
+        <p:spPr>
+          <a:xfrm>
+            <a:off x="279918" y="923731"/>
+            <a:ext cx="10590245" cy="523220"/>
+          </a:xfrm>
+          <a:prstGeom prst="rect">
+            <a:avLst/>
+          </a:prstGeom>
+          <a:noFill/>
+        </p:spPr>
+        <p:txBody>
+          <a:bodyPr wrap="square" rtlCol="0">
+            <a:spAutoFit/>
+          </a:bodyPr>
+          <a:lstStyle/>
+          <a:p>
+            <a:pPr marL="285750" indent="-285750">
+              <a:buFont typeface="Arial" panose="020B0604020202020204" pitchFamily="34" charset="0"/>
+              <a:buChar char="•"/>
+            </a:pPr>
+            <a:r>
+              <a:rPr lang="en-US" altLang="ko-KR" sz="2800" dirty="0">
+                <a:latin typeface="야놀자 야체 R" panose="02020603020101020101" pitchFamily="18" charset="-127"/>
+                <a:ea typeface="야놀자 야체 R" panose="02020603020101020101" pitchFamily="18" charset="-127"/>
+              </a:rPr>
+              <a:t> auto</a:t>
+            </a:r>
+            <a:r>
+              <a:rPr lang="ko-KR" altLang="en-US" sz="2800" dirty="0">
+                <a:latin typeface="야놀자 야체 R" panose="02020603020101020101" pitchFamily="18" charset="-127"/>
+                <a:ea typeface="야놀자 야체 R" panose="02020603020101020101" pitchFamily="18" charset="-127"/>
+              </a:rPr>
               <a:t>를 사용하면서</a:t>
             </a:r>
             <a:r>
@@ -10808,7 +11274,7 @@
 </p:sld>
 </file>
 
-<file path=ppt/slides/slide17.xml><?xml version="1.0" encoding="utf-8"?>
+<file path=ppt/slides/slide18.xml><?xml version="1.0" encoding="utf-8"?>
 <p:sld xmlns:a="http://schemas.openxmlformats.org/drawingml/2006/main" xmlns:r="http://schemas.openxmlformats.org/officeDocument/2006/relationships" xmlns:p="http://schemas.openxmlformats.org/presentationml/2006/main">
   <p:cSld>
     <p:bg>
@@ -14156,6 +14622,51 @@
                                         </p:cTn>
                                         <p:tgtEl>
                                           <p:spTgt spid="21"/>
+                                        </p:tgtEl>
+                                        <p:attrNameLst>
+                                          <p:attrName>style.visibility</p:attrName>
+                                        </p:attrNameLst>
+                                      </p:cBhvr>
+                                      <p:to>
+                                        <p:strVal val="visible"/>
+                                      </p:to>
+                                    </p:set>
+                                  </p:childTnLst>
+                                </p:cTn>
+                              </p:par>
+                            </p:childTnLst>
+                          </p:cTn>
+                        </p:par>
+                      </p:childTnLst>
+                    </p:cTn>
+                  </p:par>
+                  <p:par>
+                    <p:cTn id="7" fill="hold">
+                      <p:stCondLst>
+                        <p:cond delay="indefinite"/>
+                      </p:stCondLst>
+                      <p:childTnLst>
+                        <p:par>
+                          <p:cTn id="8" fill="hold">
+                            <p:stCondLst>
+                              <p:cond delay="0"/>
+                            </p:stCondLst>
+                            <p:childTnLst>
+                              <p:par>
+                                <p:cTn id="9" presetID="1" presetClass="entr" presetSubtype="0" fill="hold" nodeType="clickEffect">
+                                  <p:stCondLst>
+                                    <p:cond delay="0"/>
+                                  </p:stCondLst>
+                                  <p:childTnLst>
+                                    <p:set>
+                                      <p:cBhvr>
+                                        <p:cTn id="10" dur="1" fill="hold">
+                                          <p:stCondLst>
+                                            <p:cond delay="0"/>
+                                          </p:stCondLst>
+                                        </p:cTn>
+                                        <p:tgtEl>
+                                          <p:spTgt spid="3"/>
                                         </p:tgtEl>
                                         <p:attrNameLst>
                                           <p:attrName>style.visibility</p:attrName>

--- a/Sharpest++/Chapter 7 - Type Aliasing & Type Deduction.pptx
+++ b/Sharpest++/Chapter 7 - Type Aliasing & Type Deduction.pptx
@@ -7430,7 +7430,21 @@
                 <a:latin typeface="야놀자 야체 R" panose="02020603020101020101" pitchFamily="18" charset="-127"/>
                 <a:ea typeface="야놀자 야체 R" panose="02020603020101020101" pitchFamily="18" charset="-127"/>
               </a:rPr>
-              <a:t>위에 해당하지 않은 표현식이 </a:t>
+              <a:t>위에 </a:t>
+            </a:r>
+            <a:r>
+              <a:rPr lang="ko-KR" altLang="en-US" sz="2800">
+                <a:latin typeface="야놀자 야체 R" panose="02020603020101020101" pitchFamily="18" charset="-127"/>
+                <a:ea typeface="야놀자 야체 R" panose="02020603020101020101" pitchFamily="18" charset="-127"/>
+              </a:rPr>
+              <a:t>해당하지 않는 </a:t>
+            </a:r>
+            <a:r>
+              <a:rPr lang="ko-KR" altLang="en-US" sz="2800" dirty="0">
+                <a:latin typeface="야놀자 야체 R" panose="02020603020101020101" pitchFamily="18" charset="-127"/>
+                <a:ea typeface="야놀자 야체 R" panose="02020603020101020101" pitchFamily="18" charset="-127"/>
+              </a:rPr>
+              <a:t>표현식이 </a:t>
             </a:r>
             <a:r>
               <a:rPr lang="en-US" altLang="ko-KR" sz="2800" dirty="0" err="1">
